--- a/power/Project Presentatie.pptx
+++ b/power/Project Presentatie.pptx
@@ -118,6 +118,73 @@
 </p:presentation>
 </file>
 
+<file path=ppt/revisionInfo.xml><?xml version="1.0" encoding="utf-8"?>
+<p1510:revInfo xmlns:a="http://schemas.openxmlformats.org/drawingml/2006/main" xmlns:r="http://schemas.openxmlformats.org/officeDocument/2006/relationships" xmlns:p1510="http://schemas.microsoft.com/office/powerpoint/2015/10/main">
+  <p1510:revLst>
+    <p1510:client id="{820E3391-2FDA-4121-A5F8-FAF59382054F}" v="1" dt="2021-10-27T12:42:26.594"/>
+  </p1510:revLst>
+</p1510:revInfo>
+</file>
+
+<file path=ppt/changesInfos/changesInfo1.xml><?xml version="1.0" encoding="utf-8"?>
+<pc:chgInfo xmlns:a="http://schemas.openxmlformats.org/drawingml/2006/main" xmlns:r="http://schemas.openxmlformats.org/officeDocument/2006/relationships" xmlns:ac="http://schemas.microsoft.com/office/drawing/2013/main/command" xmlns:pc="http://schemas.microsoft.com/office/powerpoint/2013/main/command">
+  <pc:docChgLst>
+    <pc:chgData name="Daniël Phoeng" userId="c6797d79-6322-4ee7-a72c-8d598d27cd37" providerId="ADAL" clId="{820E3391-2FDA-4121-A5F8-FAF59382054F}"/>
+    <pc:docChg chg="undo custSel modSld">
+      <pc:chgData name="Daniël Phoeng" userId="c6797d79-6322-4ee7-a72c-8d598d27cd37" providerId="ADAL" clId="{820E3391-2FDA-4121-A5F8-FAF59382054F}" dt="2021-10-27T12:42:28.938" v="121" actId="20577"/>
+      <pc:docMkLst>
+        <pc:docMk/>
+      </pc:docMkLst>
+      <pc:sldChg chg="modSp mod">
+        <pc:chgData name="Daniël Phoeng" userId="c6797d79-6322-4ee7-a72c-8d598d27cd37" providerId="ADAL" clId="{820E3391-2FDA-4121-A5F8-FAF59382054F}" dt="2021-10-27T12:27:42.561" v="112" actId="20577"/>
+        <pc:sldMkLst>
+          <pc:docMk/>
+          <pc:sldMk cId="3426090963" sldId="257"/>
+        </pc:sldMkLst>
+        <pc:spChg chg="mod">
+          <ac:chgData name="Daniël Phoeng" userId="c6797d79-6322-4ee7-a72c-8d598d27cd37" providerId="ADAL" clId="{820E3391-2FDA-4121-A5F8-FAF59382054F}" dt="2021-10-27T12:27:42.561" v="112" actId="20577"/>
+          <ac:spMkLst>
+            <pc:docMk/>
+            <pc:sldMk cId="3426090963" sldId="257"/>
+            <ac:spMk id="3" creationId="{79EC94F4-7771-4694-A160-96D60A69ED33}"/>
+          </ac:spMkLst>
+        </pc:spChg>
+      </pc:sldChg>
+      <pc:sldChg chg="modSp mod">
+        <pc:chgData name="Daniël Phoeng" userId="c6797d79-6322-4ee7-a72c-8d598d27cd37" providerId="ADAL" clId="{820E3391-2FDA-4121-A5F8-FAF59382054F}" dt="2021-10-27T12:42:28.938" v="121" actId="20577"/>
+        <pc:sldMkLst>
+          <pc:docMk/>
+          <pc:sldMk cId="4058077916" sldId="260"/>
+        </pc:sldMkLst>
+        <pc:spChg chg="mod">
+          <ac:chgData name="Daniël Phoeng" userId="c6797d79-6322-4ee7-a72c-8d598d27cd37" providerId="ADAL" clId="{820E3391-2FDA-4121-A5F8-FAF59382054F}" dt="2021-10-27T12:42:28.938" v="121" actId="20577"/>
+          <ac:spMkLst>
+            <pc:docMk/>
+            <pc:sldMk cId="4058077916" sldId="260"/>
+            <ac:spMk id="3" creationId="{88ECDC02-0DEF-44A7-A686-141371018F17}"/>
+          </ac:spMkLst>
+        </pc:spChg>
+      </pc:sldChg>
+      <pc:sldChg chg="modSp mod">
+        <pc:chgData name="Daniël Phoeng" userId="c6797d79-6322-4ee7-a72c-8d598d27cd37" providerId="ADAL" clId="{820E3391-2FDA-4121-A5F8-FAF59382054F}" dt="2021-10-27T12:36:05.793" v="116" actId="1036"/>
+        <pc:sldMkLst>
+          <pc:docMk/>
+          <pc:sldMk cId="3222859591" sldId="262"/>
+        </pc:sldMkLst>
+        <pc:picChg chg="mod">
+          <ac:chgData name="Daniël Phoeng" userId="c6797d79-6322-4ee7-a72c-8d598d27cd37" providerId="ADAL" clId="{820E3391-2FDA-4121-A5F8-FAF59382054F}" dt="2021-10-27T12:36:05.793" v="116" actId="1036"/>
+          <ac:picMkLst>
+            <pc:docMk/>
+            <pc:sldMk cId="3222859591" sldId="262"/>
+            <ac:picMk id="5" creationId="{3004A3C8-18CD-42CF-8478-A98E5EFA5EB9}"/>
+          </ac:picMkLst>
+        </pc:picChg>
+      </pc:sldChg>
+    </pc:docChg>
+  </pc:docChgLst>
+</pc:chgInfo>
+</file>
+
 <file path=ppt/slideLayouts/slideLayout1.xml><?xml version="1.0" encoding="utf-8"?>
 <p:sldLayout xmlns:a="http://schemas.openxmlformats.org/drawingml/2006/main" xmlns:r="http://schemas.openxmlformats.org/officeDocument/2006/relationships" xmlns:p="http://schemas.openxmlformats.org/presentationml/2006/main" showMasterSp="0" type="title" preserve="1">
   <p:cSld name="Titeldia">
@@ -168,7 +235,7 @@
           <a:noFill/>
           <a:extLst>
             <a:ext uri="{909E8E84-426E-40dd-AFC4-6F175D3DCCD1}">
-              <a14:hiddenFill xmlns:a14="http://schemas.microsoft.com/office/drawing/2010/main" xmlns="">
+              <a14:hiddenFill xmlns="" xmlns:a14="http://schemas.microsoft.com/office/drawing/2010/main">
                 <a:solidFill>
                   <a:srgbClr val="FFFFFF"/>
                 </a:solidFill>
@@ -228,7 +295,7 @@
             </a:ln>
             <a:extLst>
               <a:ext uri="{91240B29-F687-4f45-9708-019B960494DF}">
-                <a14:hiddenLine xmlns:a14="http://schemas.microsoft.com/office/drawing/2010/main" xmlns="" w="9525">
+                <a14:hiddenLine xmlns="" xmlns:a14="http://schemas.microsoft.com/office/drawing/2010/main" w="9525">
                   <a:solidFill>
                     <a:srgbClr val="000000"/>
                   </a:solidFill>
@@ -318,7 +385,7 @@
             </a:ln>
             <a:extLst>
               <a:ext uri="{91240B29-F687-4f45-9708-019B960494DF}">
-                <a14:hiddenLine xmlns:a14="http://schemas.microsoft.com/office/drawing/2010/main" xmlns="" w="9525">
+                <a14:hiddenLine xmlns="" xmlns:a14="http://schemas.microsoft.com/office/drawing/2010/main" w="9525">
                   <a:solidFill>
                     <a:srgbClr val="000000"/>
                   </a:solidFill>
@@ -408,7 +475,7 @@
             </a:ln>
             <a:extLst>
               <a:ext uri="{91240B29-F687-4f45-9708-019B960494DF}">
-                <a14:hiddenLine xmlns:a14="http://schemas.microsoft.com/office/drawing/2010/main" xmlns="" w="9525">
+                <a14:hiddenLine xmlns="" xmlns:a14="http://schemas.microsoft.com/office/drawing/2010/main" w="9525">
                   <a:solidFill>
                     <a:srgbClr val="000000"/>
                   </a:solidFill>
@@ -442,7 +509,7 @@
             </a:ln>
             <a:extLst>
               <a:ext uri="{91240B29-F687-4f45-9708-019B960494DF}">
-                <a14:hiddenLine xmlns:a14="http://schemas.microsoft.com/office/drawing/2010/main" xmlns="" w="9525">
+                <a14:hiddenLine xmlns="" xmlns:a14="http://schemas.microsoft.com/office/drawing/2010/main" w="9525">
                   <a:solidFill>
                     <a:srgbClr val="000000"/>
                   </a:solidFill>
@@ -532,7 +599,7 @@
             </a:ln>
             <a:extLst>
               <a:ext uri="{91240B29-F687-4f45-9708-019B960494DF}">
-                <a14:hiddenLine xmlns:a14="http://schemas.microsoft.com/office/drawing/2010/main" xmlns="" w="9525">
+                <a14:hiddenLine xmlns="" xmlns:a14="http://schemas.microsoft.com/office/drawing/2010/main" w="9525">
                   <a:solidFill>
                     <a:srgbClr val="000000"/>
                   </a:solidFill>
@@ -594,7 +661,7 @@
             </a:ln>
             <a:extLst>
               <a:ext uri="{91240B29-F687-4f45-9708-019B960494DF}">
-                <a14:hiddenLine xmlns:a14="http://schemas.microsoft.com/office/drawing/2010/main" xmlns="" w="9525">
+                <a14:hiddenLine xmlns="" xmlns:a14="http://schemas.microsoft.com/office/drawing/2010/main" w="9525">
                   <a:solidFill>
                     <a:srgbClr val="000000"/>
                   </a:solidFill>
@@ -656,7 +723,7 @@
             </a:ln>
             <a:extLst>
               <a:ext uri="{91240B29-F687-4f45-9708-019B960494DF}">
-                <a14:hiddenLine xmlns:a14="http://schemas.microsoft.com/office/drawing/2010/main" xmlns="" w="9525">
+                <a14:hiddenLine xmlns="" xmlns:a14="http://schemas.microsoft.com/office/drawing/2010/main" w="9525">
                   <a:solidFill>
                     <a:srgbClr val="000000"/>
                   </a:solidFill>
@@ -746,7 +813,7 @@
             </a:ln>
             <a:extLst>
               <a:ext uri="{91240B29-F687-4f45-9708-019B960494DF}">
-                <a14:hiddenLine xmlns:a14="http://schemas.microsoft.com/office/drawing/2010/main" xmlns="" w="9525">
+                <a14:hiddenLine xmlns="" xmlns:a14="http://schemas.microsoft.com/office/drawing/2010/main" w="9525">
                   <a:solidFill>
                     <a:srgbClr val="000000"/>
                   </a:solidFill>
@@ -808,7 +875,7 @@
             </a:ln>
             <a:extLst>
               <a:ext uri="{91240B29-F687-4f45-9708-019B960494DF}">
-                <a14:hiddenLine xmlns:a14="http://schemas.microsoft.com/office/drawing/2010/main" xmlns="" w="9525">
+                <a14:hiddenLine xmlns="" xmlns:a14="http://schemas.microsoft.com/office/drawing/2010/main" w="9525">
                   <a:solidFill>
                     <a:srgbClr val="000000"/>
                   </a:solidFill>
@@ -870,7 +937,7 @@
             </a:ln>
             <a:extLst>
               <a:ext uri="{91240B29-F687-4f45-9708-019B960494DF}">
-                <a14:hiddenLine xmlns:a14="http://schemas.microsoft.com/office/drawing/2010/main" xmlns="" w="9525">
+                <a14:hiddenLine xmlns="" xmlns:a14="http://schemas.microsoft.com/office/drawing/2010/main" w="9525">
                   <a:solidFill>
                     <a:srgbClr val="000000"/>
                   </a:solidFill>
@@ -960,7 +1027,7 @@
             </a:ln>
             <a:extLst>
               <a:ext uri="{91240B29-F687-4f45-9708-019B960494DF}">
-                <a14:hiddenLine xmlns:a14="http://schemas.microsoft.com/office/drawing/2010/main" xmlns="" w="9525">
+                <a14:hiddenLine xmlns="" xmlns:a14="http://schemas.microsoft.com/office/drawing/2010/main" w="9525">
                   <a:solidFill>
                     <a:srgbClr val="000000"/>
                   </a:solidFill>
@@ -1050,7 +1117,7 @@
             </a:ln>
             <a:extLst>
               <a:ext uri="{91240B29-F687-4f45-9708-019B960494DF}">
-                <a14:hiddenLine xmlns:a14="http://schemas.microsoft.com/office/drawing/2010/main" xmlns="" w="9525">
+                <a14:hiddenLine xmlns="" xmlns:a14="http://schemas.microsoft.com/office/drawing/2010/main" w="9525">
                   <a:solidFill>
                     <a:srgbClr val="000000"/>
                   </a:solidFill>
@@ -1112,7 +1179,7 @@
             </a:ln>
             <a:extLst>
               <a:ext uri="{91240B29-F687-4f45-9708-019B960494DF}">
-                <a14:hiddenLine xmlns:a14="http://schemas.microsoft.com/office/drawing/2010/main" xmlns="" w="9525">
+                <a14:hiddenLine xmlns="" xmlns:a14="http://schemas.microsoft.com/office/drawing/2010/main" w="9525">
                   <a:solidFill>
                     <a:srgbClr val="000000"/>
                   </a:solidFill>
@@ -1222,7 +1289,7 @@
             </a:ln>
             <a:extLst>
               <a:ext uri="{91240B29-F687-4f45-9708-019B960494DF}">
-                <a14:hiddenLine xmlns:a14="http://schemas.microsoft.com/office/drawing/2010/main" xmlns="" w="9525">
+                <a14:hiddenLine xmlns="" xmlns:a14="http://schemas.microsoft.com/office/drawing/2010/main" w="9525">
                   <a:solidFill>
                     <a:srgbClr val="000000"/>
                   </a:solidFill>
@@ -1284,7 +1351,7 @@
             </a:ln>
             <a:extLst>
               <a:ext uri="{91240B29-F687-4f45-9708-019B960494DF}">
-                <a14:hiddenLine xmlns:a14="http://schemas.microsoft.com/office/drawing/2010/main" xmlns="" w="9525">
+                <a14:hiddenLine xmlns="" xmlns:a14="http://schemas.microsoft.com/office/drawing/2010/main" w="9525">
                   <a:solidFill>
                     <a:srgbClr val="000000"/>
                   </a:solidFill>
@@ -1374,7 +1441,7 @@
             </a:ln>
             <a:extLst>
               <a:ext uri="{91240B29-F687-4f45-9708-019B960494DF}">
-                <a14:hiddenLine xmlns:a14="http://schemas.microsoft.com/office/drawing/2010/main" xmlns="" w="9525">
+                <a14:hiddenLine xmlns="" xmlns:a14="http://schemas.microsoft.com/office/drawing/2010/main" w="9525">
                   <a:solidFill>
                     <a:srgbClr val="000000"/>
                   </a:solidFill>
@@ -1464,7 +1531,7 @@
             </a:ln>
             <a:extLst>
               <a:ext uri="{91240B29-F687-4f45-9708-019B960494DF}">
-                <a14:hiddenLine xmlns:a14="http://schemas.microsoft.com/office/drawing/2010/main" xmlns="" w="9525">
+                <a14:hiddenLine xmlns="" xmlns:a14="http://schemas.microsoft.com/office/drawing/2010/main" w="9525">
                   <a:solidFill>
                     <a:srgbClr val="000000"/>
                   </a:solidFill>
@@ -1526,7 +1593,7 @@
             </a:ln>
             <a:extLst>
               <a:ext uri="{91240B29-F687-4f45-9708-019B960494DF}">
-                <a14:hiddenLine xmlns:a14="http://schemas.microsoft.com/office/drawing/2010/main" xmlns="" w="9525">
+                <a14:hiddenLine xmlns="" xmlns:a14="http://schemas.microsoft.com/office/drawing/2010/main" w="9525">
                   <a:solidFill>
                     <a:srgbClr val="000000"/>
                   </a:solidFill>
@@ -1616,7 +1683,7 @@
             </a:ln>
             <a:extLst>
               <a:ext uri="{91240B29-F687-4f45-9708-019B960494DF}">
-                <a14:hiddenLine xmlns:a14="http://schemas.microsoft.com/office/drawing/2010/main" xmlns="" w="9525">
+                <a14:hiddenLine xmlns="" xmlns:a14="http://schemas.microsoft.com/office/drawing/2010/main" w="9525">
                   <a:solidFill>
                     <a:srgbClr val="000000"/>
                   </a:solidFill>
@@ -1706,7 +1773,7 @@
             </a:ln>
             <a:extLst>
               <a:ext uri="{91240B29-F687-4f45-9708-019B960494DF}">
-                <a14:hiddenLine xmlns:a14="http://schemas.microsoft.com/office/drawing/2010/main" xmlns="" w="9525">
+                <a14:hiddenLine xmlns="" xmlns:a14="http://schemas.microsoft.com/office/drawing/2010/main" w="9525">
                   <a:solidFill>
                     <a:srgbClr val="000000"/>
                   </a:solidFill>
@@ -1762,7 +1829,7 @@
             </a:ln>
             <a:extLst>
               <a:ext uri="{91240B29-F687-4f45-9708-019B960494DF}">
-                <a14:hiddenLine xmlns:a14="http://schemas.microsoft.com/office/drawing/2010/main" xmlns="" w="9525">
+                <a14:hiddenLine xmlns="" xmlns:a14="http://schemas.microsoft.com/office/drawing/2010/main" w="9525">
                   <a:solidFill>
                     <a:srgbClr val="000000"/>
                   </a:solidFill>
@@ -1852,7 +1919,7 @@
             </a:ln>
             <a:extLst>
               <a:ext uri="{91240B29-F687-4f45-9708-019B960494DF}">
-                <a14:hiddenLine xmlns:a14="http://schemas.microsoft.com/office/drawing/2010/main" xmlns="" w="9525">
+                <a14:hiddenLine xmlns="" xmlns:a14="http://schemas.microsoft.com/office/drawing/2010/main" w="9525">
                   <a:solidFill>
                     <a:srgbClr val="000000"/>
                   </a:solidFill>
@@ -1908,7 +1975,7 @@
             </a:ln>
             <a:extLst>
               <a:ext uri="{91240B29-F687-4f45-9708-019B960494DF}">
-                <a14:hiddenLine xmlns:a14="http://schemas.microsoft.com/office/drawing/2010/main" xmlns="" w="9525">
+                <a14:hiddenLine xmlns="" xmlns:a14="http://schemas.microsoft.com/office/drawing/2010/main" w="9525">
                   <a:solidFill>
                     <a:srgbClr val="000000"/>
                   </a:solidFill>
@@ -1998,7 +2065,7 @@
             </a:ln>
             <a:extLst>
               <a:ext uri="{91240B29-F687-4f45-9708-019B960494DF}">
-                <a14:hiddenLine xmlns:a14="http://schemas.microsoft.com/office/drawing/2010/main" xmlns="" w="9525">
+                <a14:hiddenLine xmlns="" xmlns:a14="http://schemas.microsoft.com/office/drawing/2010/main" w="9525">
                   <a:solidFill>
                     <a:srgbClr val="000000"/>
                   </a:solidFill>
@@ -2066,7 +2133,7 @@
             </a:ln>
             <a:extLst>
               <a:ext uri="{91240B29-F687-4f45-9708-019B960494DF}">
-                <a14:hiddenLine xmlns:a14="http://schemas.microsoft.com/office/drawing/2010/main" xmlns="" w="9525">
+                <a14:hiddenLine xmlns="" xmlns:a14="http://schemas.microsoft.com/office/drawing/2010/main" w="9525">
                   <a:solidFill>
                     <a:srgbClr val="000000"/>
                   </a:solidFill>
@@ -2156,7 +2223,7 @@
             </a:ln>
             <a:extLst>
               <a:ext uri="{91240B29-F687-4f45-9708-019B960494DF}">
-                <a14:hiddenLine xmlns:a14="http://schemas.microsoft.com/office/drawing/2010/main" xmlns="" w="9525">
+                <a14:hiddenLine xmlns="" xmlns:a14="http://schemas.microsoft.com/office/drawing/2010/main" w="9525">
                   <a:solidFill>
                     <a:srgbClr val="000000"/>
                   </a:solidFill>
@@ -2224,7 +2291,7 @@
             </a:ln>
             <a:extLst>
               <a:ext uri="{91240B29-F687-4f45-9708-019B960494DF}">
-                <a14:hiddenLine xmlns:a14="http://schemas.microsoft.com/office/drawing/2010/main" xmlns="" w="9525">
+                <a14:hiddenLine xmlns="" xmlns:a14="http://schemas.microsoft.com/office/drawing/2010/main" w="9525">
                   <a:solidFill>
                     <a:srgbClr val="000000"/>
                   </a:solidFill>
@@ -2314,7 +2381,7 @@
             </a:ln>
             <a:extLst>
               <a:ext uri="{91240B29-F687-4f45-9708-019B960494DF}">
-                <a14:hiddenLine xmlns:a14="http://schemas.microsoft.com/office/drawing/2010/main" xmlns="" w="9525">
+                <a14:hiddenLine xmlns="" xmlns:a14="http://schemas.microsoft.com/office/drawing/2010/main" w="9525">
                   <a:solidFill>
                     <a:srgbClr val="000000"/>
                   </a:solidFill>
@@ -2348,7 +2415,7 @@
             </a:ln>
             <a:extLst>
               <a:ext uri="{91240B29-F687-4f45-9708-019B960494DF}">
-                <a14:hiddenLine xmlns:a14="http://schemas.microsoft.com/office/drawing/2010/main" xmlns="" w="9525">
+                <a14:hiddenLine xmlns="" xmlns:a14="http://schemas.microsoft.com/office/drawing/2010/main" w="9525">
                   <a:solidFill>
                     <a:srgbClr val="000000"/>
                   </a:solidFill>
@@ -2438,7 +2505,7 @@
             </a:ln>
             <a:extLst>
               <a:ext uri="{91240B29-F687-4f45-9708-019B960494DF}">
-                <a14:hiddenLine xmlns:a14="http://schemas.microsoft.com/office/drawing/2010/main" xmlns="" w="9525">
+                <a14:hiddenLine xmlns="" xmlns:a14="http://schemas.microsoft.com/office/drawing/2010/main" w="9525">
                   <a:solidFill>
                     <a:srgbClr val="000000"/>
                   </a:solidFill>
@@ -2500,7 +2567,7 @@
             </a:ln>
             <a:extLst>
               <a:ext uri="{91240B29-F687-4f45-9708-019B960494DF}">
-                <a14:hiddenLine xmlns:a14="http://schemas.microsoft.com/office/drawing/2010/main" xmlns="" w="9525">
+                <a14:hiddenLine xmlns="" xmlns:a14="http://schemas.microsoft.com/office/drawing/2010/main" w="9525">
                   <a:solidFill>
                     <a:srgbClr val="000000"/>
                   </a:solidFill>
@@ -2562,7 +2629,7 @@
             </a:ln>
             <a:extLst>
               <a:ext uri="{91240B29-F687-4f45-9708-019B960494DF}">
-                <a14:hiddenLine xmlns:a14="http://schemas.microsoft.com/office/drawing/2010/main" xmlns="" w="9525">
+                <a14:hiddenLine xmlns="" xmlns:a14="http://schemas.microsoft.com/office/drawing/2010/main" w="9525">
                   <a:solidFill>
                     <a:srgbClr val="000000"/>
                   </a:solidFill>
@@ -2652,7 +2719,7 @@
             </a:ln>
             <a:extLst>
               <a:ext uri="{91240B29-F687-4f45-9708-019B960494DF}">
-                <a14:hiddenLine xmlns:a14="http://schemas.microsoft.com/office/drawing/2010/main" xmlns="" w="9525">
+                <a14:hiddenLine xmlns="" xmlns:a14="http://schemas.microsoft.com/office/drawing/2010/main" w="9525">
                   <a:solidFill>
                     <a:srgbClr val="000000"/>
                   </a:solidFill>
@@ -2720,7 +2787,7 @@
             </a:ln>
             <a:extLst>
               <a:ext uri="{91240B29-F687-4f45-9708-019B960494DF}">
-                <a14:hiddenLine xmlns:a14="http://schemas.microsoft.com/office/drawing/2010/main" xmlns="" w="9525">
+                <a14:hiddenLine xmlns="" xmlns:a14="http://schemas.microsoft.com/office/drawing/2010/main" w="9525">
                   <a:solidFill>
                     <a:srgbClr val="000000"/>
                   </a:solidFill>
@@ -2782,7 +2849,7 @@
             </a:ln>
             <a:extLst>
               <a:ext uri="{91240B29-F687-4f45-9708-019B960494DF}">
-                <a14:hiddenLine xmlns:a14="http://schemas.microsoft.com/office/drawing/2010/main" xmlns="" w="9525">
+                <a14:hiddenLine xmlns="" xmlns:a14="http://schemas.microsoft.com/office/drawing/2010/main" w="9525">
                   <a:solidFill>
                     <a:srgbClr val="000000"/>
                   </a:solidFill>
@@ -2872,7 +2939,7 @@
             </a:ln>
             <a:extLst>
               <a:ext uri="{91240B29-F687-4f45-9708-019B960494DF}">
-                <a14:hiddenLine xmlns:a14="http://schemas.microsoft.com/office/drawing/2010/main" xmlns="" w="9525">
+                <a14:hiddenLine xmlns="" xmlns:a14="http://schemas.microsoft.com/office/drawing/2010/main" w="9525">
                   <a:solidFill>
                     <a:srgbClr val="000000"/>
                   </a:solidFill>
@@ -2934,7 +3001,7 @@
             </a:ln>
             <a:extLst>
               <a:ext uri="{91240B29-F687-4f45-9708-019B960494DF}">
-                <a14:hiddenLine xmlns:a14="http://schemas.microsoft.com/office/drawing/2010/main" xmlns="" w="9525">
+                <a14:hiddenLine xmlns="" xmlns:a14="http://schemas.microsoft.com/office/drawing/2010/main" w="9525">
                   <a:solidFill>
                     <a:srgbClr val="000000"/>
                   </a:solidFill>
@@ -3024,7 +3091,7 @@
             </a:ln>
             <a:extLst>
               <a:ext uri="{91240B29-F687-4f45-9708-019B960494DF}">
-                <a14:hiddenLine xmlns:a14="http://schemas.microsoft.com/office/drawing/2010/main" xmlns="" w="9525">
+                <a14:hiddenLine xmlns="" xmlns:a14="http://schemas.microsoft.com/office/drawing/2010/main" w="9525">
                   <a:solidFill>
                     <a:srgbClr val="000000"/>
                   </a:solidFill>
@@ -3086,7 +3153,7 @@
             </a:ln>
             <a:extLst>
               <a:ext uri="{91240B29-F687-4f45-9708-019B960494DF}">
-                <a14:hiddenLine xmlns:a14="http://schemas.microsoft.com/office/drawing/2010/main" xmlns="" w="9525">
+                <a14:hiddenLine xmlns="" xmlns:a14="http://schemas.microsoft.com/office/drawing/2010/main" w="9525">
                   <a:solidFill>
                     <a:srgbClr val="000000"/>
                   </a:solidFill>
@@ -3176,7 +3243,7 @@
             </a:ln>
             <a:extLst>
               <a:ext uri="{91240B29-F687-4f45-9708-019B960494DF}">
-                <a14:hiddenLine xmlns:a14="http://schemas.microsoft.com/office/drawing/2010/main" xmlns="" w="9525">
+                <a14:hiddenLine xmlns="" xmlns:a14="http://schemas.microsoft.com/office/drawing/2010/main" w="9525">
                   <a:solidFill>
                     <a:srgbClr val="000000"/>
                   </a:solidFill>
@@ -3210,7 +3277,7 @@
             </a:ln>
             <a:extLst>
               <a:ext uri="{91240B29-F687-4f45-9708-019B960494DF}">
-                <a14:hiddenLine xmlns:a14="http://schemas.microsoft.com/office/drawing/2010/main" xmlns="" w="9525">
+                <a14:hiddenLine xmlns="" xmlns:a14="http://schemas.microsoft.com/office/drawing/2010/main" w="9525">
                   <a:solidFill>
                     <a:srgbClr val="000000"/>
                   </a:solidFill>
@@ -3275,7 +3342,7 @@
             </a:ln>
             <a:extLst>
               <a:ext uri="{91240B29-F687-4f45-9708-019B960494DF}">
-                <a14:hiddenLine xmlns:a14="http://schemas.microsoft.com/office/drawing/2010/main" xmlns="" w="9525">
+                <a14:hiddenLine xmlns="" xmlns:a14="http://schemas.microsoft.com/office/drawing/2010/main" w="9525">
                   <a:solidFill>
                     <a:srgbClr val="000000"/>
                   </a:solidFill>
@@ -3365,7 +3432,7 @@
             </a:ln>
             <a:extLst>
               <a:ext uri="{91240B29-F687-4f45-9708-019B960494DF}">
-                <a14:hiddenLine xmlns:a14="http://schemas.microsoft.com/office/drawing/2010/main" xmlns="" w="9525">
+                <a14:hiddenLine xmlns="" xmlns:a14="http://schemas.microsoft.com/office/drawing/2010/main" w="9525">
                   <a:solidFill>
                     <a:srgbClr val="000000"/>
                   </a:solidFill>
@@ -3427,7 +3494,7 @@
             </a:ln>
             <a:extLst>
               <a:ext uri="{91240B29-F687-4f45-9708-019B960494DF}">
-                <a14:hiddenLine xmlns:a14="http://schemas.microsoft.com/office/drawing/2010/main" xmlns="" w="9525">
+                <a14:hiddenLine xmlns="" xmlns:a14="http://schemas.microsoft.com/office/drawing/2010/main" w="9525">
                   <a:solidFill>
                     <a:srgbClr val="000000"/>
                   </a:solidFill>
@@ -3517,7 +3584,7 @@
             </a:ln>
             <a:extLst>
               <a:ext uri="{91240B29-F687-4f45-9708-019B960494DF}">
-                <a14:hiddenLine xmlns:a14="http://schemas.microsoft.com/office/drawing/2010/main" xmlns="" w="9525">
+                <a14:hiddenLine xmlns="" xmlns:a14="http://schemas.microsoft.com/office/drawing/2010/main" w="9525">
                   <a:solidFill>
                     <a:srgbClr val="000000"/>
                   </a:solidFill>
@@ -3607,7 +3674,7 @@
             </a:ln>
             <a:extLst>
               <a:ext uri="{91240B29-F687-4f45-9708-019B960494DF}">
-                <a14:hiddenLine xmlns:a14="http://schemas.microsoft.com/office/drawing/2010/main" xmlns="" w="9525">
+                <a14:hiddenLine xmlns="" xmlns:a14="http://schemas.microsoft.com/office/drawing/2010/main" w="9525">
                   <a:solidFill>
                     <a:srgbClr val="000000"/>
                   </a:solidFill>
@@ -3672,7 +3739,7 @@
             </a:ln>
             <a:extLst>
               <a:ext uri="{91240B29-F687-4f45-9708-019B960494DF}">
-                <a14:hiddenLine xmlns:a14="http://schemas.microsoft.com/office/drawing/2010/main" xmlns="" w="9525">
+                <a14:hiddenLine xmlns="" xmlns:a14="http://schemas.microsoft.com/office/drawing/2010/main" w="9525">
                   <a:solidFill>
                     <a:srgbClr val="000000"/>
                   </a:solidFill>
@@ -3734,7 +3801,7 @@
             </a:ln>
             <a:extLst>
               <a:ext uri="{91240B29-F687-4f45-9708-019B960494DF}">
-                <a14:hiddenLine xmlns:a14="http://schemas.microsoft.com/office/drawing/2010/main" xmlns="" w="9525">
+                <a14:hiddenLine xmlns="" xmlns:a14="http://schemas.microsoft.com/office/drawing/2010/main" w="9525">
                   <a:solidFill>
                     <a:srgbClr val="000000"/>
                   </a:solidFill>
@@ -3824,7 +3891,7 @@
             </a:ln>
             <a:extLst>
               <a:ext uri="{91240B29-F687-4f45-9708-019B960494DF}">
-                <a14:hiddenLine xmlns:a14="http://schemas.microsoft.com/office/drawing/2010/main" xmlns="" w="9525">
+                <a14:hiddenLine xmlns="" xmlns:a14="http://schemas.microsoft.com/office/drawing/2010/main" w="9525">
                   <a:solidFill>
                     <a:srgbClr val="000000"/>
                   </a:solidFill>
@@ -3914,7 +3981,7 @@
             </a:ln>
             <a:extLst>
               <a:ext uri="{91240B29-F687-4f45-9708-019B960494DF}">
-                <a14:hiddenLine xmlns:a14="http://schemas.microsoft.com/office/drawing/2010/main" xmlns="" w="9525">
+                <a14:hiddenLine xmlns="" xmlns:a14="http://schemas.microsoft.com/office/drawing/2010/main" w="9525">
                   <a:solidFill>
                     <a:srgbClr val="000000"/>
                   </a:solidFill>
@@ -3976,7 +4043,7 @@
             </a:ln>
             <a:extLst>
               <a:ext uri="{91240B29-F687-4f45-9708-019B960494DF}">
-                <a14:hiddenLine xmlns:a14="http://schemas.microsoft.com/office/drawing/2010/main" xmlns="" w="9525">
+                <a14:hiddenLine xmlns="" xmlns:a14="http://schemas.microsoft.com/office/drawing/2010/main" w="9525">
                   <a:solidFill>
                     <a:srgbClr val="000000"/>
                   </a:solidFill>
@@ -4096,7 +4163,7 @@
             </a:ln>
             <a:extLst>
               <a:ext uri="{91240B29-F687-4f45-9708-019B960494DF}">
-                <a14:hiddenLine xmlns:a14="http://schemas.microsoft.com/office/drawing/2010/main" xmlns="" w="9525">
+                <a14:hiddenLine xmlns="" xmlns:a14="http://schemas.microsoft.com/office/drawing/2010/main" w="9525">
                   <a:solidFill>
                     <a:srgbClr val="000000"/>
                   </a:solidFill>
@@ -4164,7 +4231,7 @@
             </a:ln>
             <a:extLst>
               <a:ext uri="{91240B29-F687-4f45-9708-019B960494DF}">
-                <a14:hiddenLine xmlns:a14="http://schemas.microsoft.com/office/drawing/2010/main" xmlns="" w="9525">
+                <a14:hiddenLine xmlns="" xmlns:a14="http://schemas.microsoft.com/office/drawing/2010/main" w="9525">
                   <a:solidFill>
                     <a:srgbClr val="000000"/>
                   </a:solidFill>
@@ -4254,7 +4321,7 @@
             </a:ln>
             <a:extLst>
               <a:ext uri="{91240B29-F687-4f45-9708-019B960494DF}">
-                <a14:hiddenLine xmlns:a14="http://schemas.microsoft.com/office/drawing/2010/main" xmlns="" w="9525">
+                <a14:hiddenLine xmlns="" xmlns:a14="http://schemas.microsoft.com/office/drawing/2010/main" w="9525">
                   <a:solidFill>
                     <a:srgbClr val="000000"/>
                   </a:solidFill>
@@ -4446,7 +4513,7 @@
           <a:p>
             <a:fld id="{8679147E-E722-4B7F-B2DA-A1F6ABE75579}" type="slidenum">
               <a:rPr lang="nl-NL" smtClean="0"/>
-              <a:t>‹nr.›</a:t>
+              <a:t>‹#›</a:t>
             </a:fld>
             <a:endParaRPr lang="nl-NL"/>
           </a:p>
@@ -4703,7 +4770,7 @@
           <a:p>
             <a:fld id="{8679147E-E722-4B7F-B2DA-A1F6ABE75579}" type="slidenum">
               <a:rPr lang="nl-NL" smtClean="0"/>
-              <a:t>‹nr.›</a:t>
+              <a:t>‹#›</a:t>
             </a:fld>
             <a:endParaRPr lang="nl-NL"/>
           </a:p>
@@ -4899,7 +4966,7 @@
           <a:p>
             <a:fld id="{8679147E-E722-4B7F-B2DA-A1F6ABE75579}" type="slidenum">
               <a:rPr lang="nl-NL" smtClean="0"/>
-              <a:t>‹nr.›</a:t>
+              <a:t>‹#›</a:t>
             </a:fld>
             <a:endParaRPr lang="nl-NL"/>
           </a:p>
@@ -5162,7 +5229,7 @@
           <a:p>
             <a:fld id="{8679147E-E722-4B7F-B2DA-A1F6ABE75579}" type="slidenum">
               <a:rPr lang="nl-NL" smtClean="0"/>
-              <a:t>‹nr.›</a:t>
+              <a:t>‹#›</a:t>
             </a:fld>
             <a:endParaRPr lang="nl-NL"/>
           </a:p>
@@ -5596,7 +5663,7 @@
           <a:p>
             <a:fld id="{8679147E-E722-4B7F-B2DA-A1F6ABE75579}" type="slidenum">
               <a:rPr lang="nl-NL" smtClean="0"/>
-              <a:t>‹nr.›</a:t>
+              <a:t>‹#›</a:t>
             </a:fld>
             <a:endParaRPr lang="nl-NL"/>
           </a:p>
@@ -6142,7 +6209,7 @@
           <a:p>
             <a:fld id="{8679147E-E722-4B7F-B2DA-A1F6ABE75579}" type="slidenum">
               <a:rPr lang="nl-NL" smtClean="0"/>
-              <a:t>‹nr.›</a:t>
+              <a:t>‹#›</a:t>
             </a:fld>
             <a:endParaRPr lang="nl-NL"/>
           </a:p>
@@ -6862,7 +6929,7 @@
           <a:p>
             <a:fld id="{8679147E-E722-4B7F-B2DA-A1F6ABE75579}" type="slidenum">
               <a:rPr lang="nl-NL" smtClean="0"/>
-              <a:t>‹nr.›</a:t>
+              <a:t>‹#›</a:t>
             </a:fld>
             <a:endParaRPr lang="nl-NL"/>
           </a:p>
@@ -7032,7 +7099,7 @@
           <a:p>
             <a:fld id="{8679147E-E722-4B7F-B2DA-A1F6ABE75579}" type="slidenum">
               <a:rPr lang="nl-NL" smtClean="0"/>
-              <a:t>‹nr.›</a:t>
+              <a:t>‹#›</a:t>
             </a:fld>
             <a:endParaRPr lang="nl-NL"/>
           </a:p>
@@ -7212,7 +7279,7 @@
           <a:p>
             <a:fld id="{8679147E-E722-4B7F-B2DA-A1F6ABE75579}" type="slidenum">
               <a:rPr lang="nl-NL" smtClean="0"/>
-              <a:t>‹nr.›</a:t>
+              <a:t>‹#›</a:t>
             </a:fld>
             <a:endParaRPr lang="nl-NL"/>
           </a:p>
@@ -7382,7 +7449,7 @@
           <a:p>
             <a:fld id="{8679147E-E722-4B7F-B2DA-A1F6ABE75579}" type="slidenum">
               <a:rPr lang="nl-NL" smtClean="0"/>
-              <a:t>‹nr.›</a:t>
+              <a:t>‹#›</a:t>
             </a:fld>
             <a:endParaRPr lang="nl-NL"/>
           </a:p>
@@ -7632,7 +7699,7 @@
           <a:p>
             <a:fld id="{8679147E-E722-4B7F-B2DA-A1F6ABE75579}" type="slidenum">
               <a:rPr lang="nl-NL" smtClean="0"/>
-              <a:t>‹nr.›</a:t>
+              <a:t>‹#›</a:t>
             </a:fld>
             <a:endParaRPr lang="nl-NL"/>
           </a:p>
@@ -7864,7 +7931,7 @@
           <a:p>
             <a:fld id="{8679147E-E722-4B7F-B2DA-A1F6ABE75579}" type="slidenum">
               <a:rPr lang="nl-NL" smtClean="0"/>
-              <a:t>‹nr.›</a:t>
+              <a:t>‹#›</a:t>
             </a:fld>
             <a:endParaRPr lang="nl-NL"/>
           </a:p>
@@ -8245,7 +8312,7 @@
           <a:p>
             <a:fld id="{8679147E-E722-4B7F-B2DA-A1F6ABE75579}" type="slidenum">
               <a:rPr lang="nl-NL" smtClean="0"/>
-              <a:t>‹nr.›</a:t>
+              <a:t>‹#›</a:t>
             </a:fld>
             <a:endParaRPr lang="nl-NL"/>
           </a:p>
@@ -8363,7 +8430,7 @@
           <a:p>
             <a:fld id="{8679147E-E722-4B7F-B2DA-A1F6ABE75579}" type="slidenum">
               <a:rPr lang="nl-NL" smtClean="0"/>
-              <a:t>‹nr.›</a:t>
+              <a:t>‹#›</a:t>
             </a:fld>
             <a:endParaRPr lang="nl-NL"/>
           </a:p>
@@ -8458,7 +8525,7 @@
           <a:p>
             <a:fld id="{8679147E-E722-4B7F-B2DA-A1F6ABE75579}" type="slidenum">
               <a:rPr lang="nl-NL" smtClean="0"/>
-              <a:t>‹nr.›</a:t>
+              <a:t>‹#›</a:t>
             </a:fld>
             <a:endParaRPr lang="nl-NL"/>
           </a:p>
@@ -8707,7 +8774,7 @@
           <a:p>
             <a:fld id="{8679147E-E722-4B7F-B2DA-A1F6ABE75579}" type="slidenum">
               <a:rPr lang="nl-NL" smtClean="0"/>
-              <a:t>‹nr.›</a:t>
+              <a:t>‹#›</a:t>
             </a:fld>
             <a:endParaRPr lang="nl-NL"/>
           </a:p>
@@ -8987,7 +9054,7 @@
           <a:p>
             <a:fld id="{8679147E-E722-4B7F-B2DA-A1F6ABE75579}" type="slidenum">
               <a:rPr lang="nl-NL" smtClean="0"/>
-              <a:t>‹nr.›</a:t>
+              <a:t>‹#›</a:t>
             </a:fld>
             <a:endParaRPr lang="nl-NL"/>
           </a:p>
@@ -9061,7 +9128,7 @@
           <a:noFill/>
           <a:extLst>
             <a:ext uri="{909E8E84-426E-40dd-AFC4-6F175D3DCCD1}">
-              <a14:hiddenFill xmlns:a14="http://schemas.microsoft.com/office/drawing/2010/main" xmlns="">
+              <a14:hiddenFill xmlns="" xmlns:a14="http://schemas.microsoft.com/office/drawing/2010/main">
                 <a:solidFill>
                   <a:srgbClr val="FFFFFF"/>
                 </a:solidFill>
@@ -9135,7 +9202,7 @@
               </a:ln>
               <a:extLst>
                 <a:ext uri="{91240B29-F687-4f45-9708-019B960494DF}">
-                  <a14:hiddenLine xmlns:a14="http://schemas.microsoft.com/office/drawing/2010/main" xmlns="" w="9525">
+                  <a14:hiddenLine xmlns="" xmlns:a14="http://schemas.microsoft.com/office/drawing/2010/main" w="9525">
                     <a:solidFill>
                       <a:srgbClr val="000000"/>
                     </a:solidFill>
@@ -9225,7 +9292,7 @@
               </a:ln>
               <a:extLst>
                 <a:ext uri="{91240B29-F687-4f45-9708-019B960494DF}">
-                  <a14:hiddenLine xmlns:a14="http://schemas.microsoft.com/office/drawing/2010/main" xmlns="" w="9525">
+                  <a14:hiddenLine xmlns="" xmlns:a14="http://schemas.microsoft.com/office/drawing/2010/main" w="9525">
                     <a:solidFill>
                       <a:srgbClr val="000000"/>
                     </a:solidFill>
@@ -9315,7 +9382,7 @@
               </a:ln>
               <a:extLst>
                 <a:ext uri="{91240B29-F687-4f45-9708-019B960494DF}">
-                  <a14:hiddenLine xmlns:a14="http://schemas.microsoft.com/office/drawing/2010/main" xmlns="" w="9525">
+                  <a14:hiddenLine xmlns="" xmlns:a14="http://schemas.microsoft.com/office/drawing/2010/main" w="9525">
                     <a:solidFill>
                       <a:srgbClr val="000000"/>
                     </a:solidFill>
@@ -9377,7 +9444,7 @@
               </a:ln>
               <a:extLst>
                 <a:ext uri="{91240B29-F687-4f45-9708-019B960494DF}">
-                  <a14:hiddenLine xmlns:a14="http://schemas.microsoft.com/office/drawing/2010/main" xmlns="" w="9525">
+                  <a14:hiddenLine xmlns="" xmlns:a14="http://schemas.microsoft.com/office/drawing/2010/main" w="9525">
                     <a:solidFill>
                       <a:srgbClr val="000000"/>
                     </a:solidFill>
@@ -9467,7 +9534,7 @@
               </a:ln>
               <a:extLst>
                 <a:ext uri="{91240B29-F687-4f45-9708-019B960494DF}">
-                  <a14:hiddenLine xmlns:a14="http://schemas.microsoft.com/office/drawing/2010/main" xmlns="" w="9525">
+                  <a14:hiddenLine xmlns="" xmlns:a14="http://schemas.microsoft.com/office/drawing/2010/main" w="9525">
                     <a:solidFill>
                       <a:srgbClr val="000000"/>
                     </a:solidFill>
@@ -9529,7 +9596,7 @@
               </a:ln>
               <a:extLst>
                 <a:ext uri="{91240B29-F687-4f45-9708-019B960494DF}">
-                  <a14:hiddenLine xmlns:a14="http://schemas.microsoft.com/office/drawing/2010/main" xmlns="" w="9525">
+                  <a14:hiddenLine xmlns="" xmlns:a14="http://schemas.microsoft.com/office/drawing/2010/main" w="9525">
                     <a:solidFill>
                       <a:srgbClr val="000000"/>
                     </a:solidFill>
@@ -9591,7 +9658,7 @@
               </a:ln>
               <a:extLst>
                 <a:ext uri="{91240B29-F687-4f45-9708-019B960494DF}">
-                  <a14:hiddenLine xmlns:a14="http://schemas.microsoft.com/office/drawing/2010/main" xmlns="" w="9525">
+                  <a14:hiddenLine xmlns="" xmlns:a14="http://schemas.microsoft.com/office/drawing/2010/main" w="9525">
                     <a:solidFill>
                       <a:srgbClr val="000000"/>
                     </a:solidFill>
@@ -9681,7 +9748,7 @@
               </a:ln>
               <a:extLst>
                 <a:ext uri="{91240B29-F687-4f45-9708-019B960494DF}">
-                  <a14:hiddenLine xmlns:a14="http://schemas.microsoft.com/office/drawing/2010/main" xmlns="" w="9525">
+                  <a14:hiddenLine xmlns="" xmlns:a14="http://schemas.microsoft.com/office/drawing/2010/main" w="9525">
                     <a:solidFill>
                       <a:srgbClr val="000000"/>
                     </a:solidFill>
@@ -9771,7 +9838,7 @@
               </a:ln>
               <a:extLst>
                 <a:ext uri="{91240B29-F687-4f45-9708-019B960494DF}">
-                  <a14:hiddenLine xmlns:a14="http://schemas.microsoft.com/office/drawing/2010/main" xmlns="" w="9525">
+                  <a14:hiddenLine xmlns="" xmlns:a14="http://schemas.microsoft.com/office/drawing/2010/main" w="9525">
                     <a:solidFill>
                       <a:srgbClr val="000000"/>
                     </a:solidFill>
@@ -9833,7 +9900,7 @@
               </a:ln>
               <a:extLst>
                 <a:ext uri="{91240B29-F687-4f45-9708-019B960494DF}">
-                  <a14:hiddenLine xmlns:a14="http://schemas.microsoft.com/office/drawing/2010/main" xmlns="" w="9525">
+                  <a14:hiddenLine xmlns="" xmlns:a14="http://schemas.microsoft.com/office/drawing/2010/main" w="9525">
                     <a:solidFill>
                       <a:srgbClr val="000000"/>
                     </a:solidFill>
@@ -9943,7 +10010,7 @@
               </a:ln>
               <a:extLst>
                 <a:ext uri="{91240B29-F687-4f45-9708-019B960494DF}">
-                  <a14:hiddenLine xmlns:a14="http://schemas.microsoft.com/office/drawing/2010/main" xmlns="" w="9525">
+                  <a14:hiddenLine xmlns="" xmlns:a14="http://schemas.microsoft.com/office/drawing/2010/main" w="9525">
                     <a:solidFill>
                       <a:srgbClr val="000000"/>
                     </a:solidFill>
@@ -10027,7 +10094,7 @@
               </a:ln>
               <a:extLst>
                 <a:ext uri="{91240B29-F687-4f45-9708-019B960494DF}">
-                  <a14:hiddenLine xmlns:a14="http://schemas.microsoft.com/office/drawing/2010/main" xmlns="" w="9525">
+                  <a14:hiddenLine xmlns="" xmlns:a14="http://schemas.microsoft.com/office/drawing/2010/main" w="9525">
                     <a:solidFill>
                       <a:srgbClr val="000000"/>
                     </a:solidFill>
@@ -10089,7 +10156,7 @@
               </a:ln>
               <a:extLst>
                 <a:ext uri="{91240B29-F687-4f45-9708-019B960494DF}">
-                  <a14:hiddenLine xmlns:a14="http://schemas.microsoft.com/office/drawing/2010/main" xmlns="" w="9525">
+                  <a14:hiddenLine xmlns="" xmlns:a14="http://schemas.microsoft.com/office/drawing/2010/main" w="9525">
                     <a:solidFill>
                       <a:srgbClr val="000000"/>
                     </a:solidFill>
@@ -10151,7 +10218,7 @@
               </a:ln>
               <a:extLst>
                 <a:ext uri="{91240B29-F687-4f45-9708-019B960494DF}">
-                  <a14:hiddenLine xmlns:a14="http://schemas.microsoft.com/office/drawing/2010/main" xmlns="" w="9525">
+                  <a14:hiddenLine xmlns="" xmlns:a14="http://schemas.microsoft.com/office/drawing/2010/main" w="9525">
                     <a:solidFill>
                       <a:srgbClr val="000000"/>
                     </a:solidFill>
@@ -10241,7 +10308,7 @@
               </a:ln>
               <a:extLst>
                 <a:ext uri="{91240B29-F687-4f45-9708-019B960494DF}">
-                  <a14:hiddenLine xmlns:a14="http://schemas.microsoft.com/office/drawing/2010/main" xmlns="" w="9525">
+                  <a14:hiddenLine xmlns="" xmlns:a14="http://schemas.microsoft.com/office/drawing/2010/main" w="9525">
                     <a:solidFill>
                       <a:srgbClr val="000000"/>
                     </a:solidFill>
@@ -10275,7 +10342,7 @@
               </a:ln>
               <a:extLst>
                 <a:ext uri="{91240B29-F687-4f45-9708-019B960494DF}">
-                  <a14:hiddenLine xmlns:a14="http://schemas.microsoft.com/office/drawing/2010/main" xmlns="" w="9525">
+                  <a14:hiddenLine xmlns="" xmlns:a14="http://schemas.microsoft.com/office/drawing/2010/main" w="9525">
                     <a:solidFill>
                       <a:srgbClr val="000000"/>
                     </a:solidFill>
@@ -10340,7 +10407,7 @@
               </a:ln>
               <a:extLst>
                 <a:ext uri="{91240B29-F687-4f45-9708-019B960494DF}">
-                  <a14:hiddenLine xmlns:a14="http://schemas.microsoft.com/office/drawing/2010/main" xmlns="" w="9525">
+                  <a14:hiddenLine xmlns="" xmlns:a14="http://schemas.microsoft.com/office/drawing/2010/main" w="9525">
                     <a:solidFill>
                       <a:srgbClr val="000000"/>
                     </a:solidFill>
@@ -10430,7 +10497,7 @@
               </a:ln>
               <a:extLst>
                 <a:ext uri="{91240B29-F687-4f45-9708-019B960494DF}">
-                  <a14:hiddenLine xmlns:a14="http://schemas.microsoft.com/office/drawing/2010/main" xmlns="" w="9525">
+                  <a14:hiddenLine xmlns="" xmlns:a14="http://schemas.microsoft.com/office/drawing/2010/main" w="9525">
                     <a:solidFill>
                       <a:srgbClr val="000000"/>
                     </a:solidFill>
@@ -10492,7 +10559,7 @@
               </a:ln>
               <a:extLst>
                 <a:ext uri="{91240B29-F687-4f45-9708-019B960494DF}">
-                  <a14:hiddenLine xmlns:a14="http://schemas.microsoft.com/office/drawing/2010/main" xmlns="" w="9525">
+                  <a14:hiddenLine xmlns="" xmlns:a14="http://schemas.microsoft.com/office/drawing/2010/main" w="9525">
                     <a:solidFill>
                       <a:srgbClr val="000000"/>
                     </a:solidFill>
@@ -10582,7 +10649,7 @@
               </a:ln>
               <a:extLst>
                 <a:ext uri="{91240B29-F687-4f45-9708-019B960494DF}">
-                  <a14:hiddenLine xmlns:a14="http://schemas.microsoft.com/office/drawing/2010/main" xmlns="" w="9525">
+                  <a14:hiddenLine xmlns="" xmlns:a14="http://schemas.microsoft.com/office/drawing/2010/main" w="9525">
                     <a:solidFill>
                       <a:srgbClr val="000000"/>
                     </a:solidFill>
@@ -10647,7 +10714,7 @@
               </a:ln>
               <a:extLst>
                 <a:ext uri="{91240B29-F687-4f45-9708-019B960494DF}">
-                  <a14:hiddenLine xmlns:a14="http://schemas.microsoft.com/office/drawing/2010/main" xmlns="" w="9525">
+                  <a14:hiddenLine xmlns="" xmlns:a14="http://schemas.microsoft.com/office/drawing/2010/main" w="9525">
                     <a:solidFill>
                       <a:srgbClr val="000000"/>
                     </a:solidFill>
@@ -10709,7 +10776,7 @@
               </a:ln>
               <a:extLst>
                 <a:ext uri="{91240B29-F687-4f45-9708-019B960494DF}">
-                  <a14:hiddenLine xmlns:a14="http://schemas.microsoft.com/office/drawing/2010/main" xmlns="" w="9525">
+                  <a14:hiddenLine xmlns="" xmlns:a14="http://schemas.microsoft.com/office/drawing/2010/main" w="9525">
                     <a:solidFill>
                       <a:srgbClr val="000000"/>
                     </a:solidFill>
@@ -10799,7 +10866,7 @@
               </a:ln>
               <a:extLst>
                 <a:ext uri="{91240B29-F687-4f45-9708-019B960494DF}">
-                  <a14:hiddenLine xmlns:a14="http://schemas.microsoft.com/office/drawing/2010/main" xmlns="" w="9525">
+                  <a14:hiddenLine xmlns="" xmlns:a14="http://schemas.microsoft.com/office/drawing/2010/main" w="9525">
                     <a:solidFill>
                       <a:srgbClr val="000000"/>
                     </a:solidFill>
@@ -10889,7 +10956,7 @@
               </a:ln>
               <a:extLst>
                 <a:ext uri="{91240B29-F687-4f45-9708-019B960494DF}">
-                  <a14:hiddenLine xmlns:a14="http://schemas.microsoft.com/office/drawing/2010/main" xmlns="" w="9525">
+                  <a14:hiddenLine xmlns="" xmlns:a14="http://schemas.microsoft.com/office/drawing/2010/main" w="9525">
                     <a:solidFill>
                       <a:srgbClr val="000000"/>
                     </a:solidFill>
@@ -10954,7 +11021,7 @@
               </a:ln>
               <a:extLst>
                 <a:ext uri="{91240B29-F687-4f45-9708-019B960494DF}">
-                  <a14:hiddenLine xmlns:a14="http://schemas.microsoft.com/office/drawing/2010/main" xmlns="" w="9525">
+                  <a14:hiddenLine xmlns="" xmlns:a14="http://schemas.microsoft.com/office/drawing/2010/main" w="9525">
                     <a:solidFill>
                       <a:srgbClr val="000000"/>
                     </a:solidFill>
@@ -11074,7 +11141,7 @@
               </a:ln>
               <a:extLst>
                 <a:ext uri="{91240B29-F687-4f45-9708-019B960494DF}">
-                  <a14:hiddenLine xmlns:a14="http://schemas.microsoft.com/office/drawing/2010/main" xmlns="" w="9525">
+                  <a14:hiddenLine xmlns="" xmlns:a14="http://schemas.microsoft.com/office/drawing/2010/main" w="9525">
                     <a:solidFill>
                       <a:srgbClr val="000000"/>
                     </a:solidFill>
@@ -11172,7 +11239,7 @@
               </a:ln>
               <a:extLst>
                 <a:ext uri="{91240B29-F687-4f45-9708-019B960494DF}">
-                  <a14:hiddenLine xmlns:a14="http://schemas.microsoft.com/office/drawing/2010/main" xmlns="" w="9525">
+                  <a14:hiddenLine xmlns="" xmlns:a14="http://schemas.microsoft.com/office/drawing/2010/main" w="9525">
                     <a:solidFill>
                       <a:srgbClr val="000000"/>
                     </a:solidFill>
@@ -11287,7 +11354,7 @@
               </a:ln>
               <a:extLst>
                 <a:ext uri="{91240B29-F687-4f45-9708-019B960494DF}">
-                  <a14:hiddenLine xmlns:a14="http://schemas.microsoft.com/office/drawing/2010/main" xmlns="" w="9525">
+                  <a14:hiddenLine xmlns="" xmlns:a14="http://schemas.microsoft.com/office/drawing/2010/main" w="9525">
                     <a:solidFill>
                       <a:srgbClr val="000000"/>
                     </a:solidFill>
@@ -11377,7 +11444,7 @@
               </a:ln>
               <a:extLst>
                 <a:ext uri="{91240B29-F687-4f45-9708-019B960494DF}">
-                  <a14:hiddenLine xmlns:a14="http://schemas.microsoft.com/office/drawing/2010/main" xmlns="" w="9525">
+                  <a14:hiddenLine xmlns="" xmlns:a14="http://schemas.microsoft.com/office/drawing/2010/main" w="9525">
                     <a:solidFill>
                       <a:srgbClr val="000000"/>
                     </a:solidFill>
@@ -11442,7 +11509,7 @@
               </a:ln>
               <a:extLst>
                 <a:ext uri="{91240B29-F687-4f45-9708-019B960494DF}">
-                  <a14:hiddenLine xmlns:a14="http://schemas.microsoft.com/office/drawing/2010/main" xmlns="" w="9525">
+                  <a14:hiddenLine xmlns="" xmlns:a14="http://schemas.microsoft.com/office/drawing/2010/main" w="9525">
                     <a:solidFill>
                       <a:srgbClr val="000000"/>
                     </a:solidFill>
@@ -11532,7 +11599,7 @@
               </a:ln>
               <a:extLst>
                 <a:ext uri="{91240B29-F687-4f45-9708-019B960494DF}">
-                  <a14:hiddenLine xmlns:a14="http://schemas.microsoft.com/office/drawing/2010/main" xmlns="" w="9525">
+                  <a14:hiddenLine xmlns="" xmlns:a14="http://schemas.microsoft.com/office/drawing/2010/main" w="9525">
                     <a:solidFill>
                       <a:srgbClr val="000000"/>
                     </a:solidFill>
@@ -11600,7 +11667,7 @@
               </a:ln>
               <a:extLst>
                 <a:ext uri="{91240B29-F687-4f45-9708-019B960494DF}">
-                  <a14:hiddenLine xmlns:a14="http://schemas.microsoft.com/office/drawing/2010/main" xmlns="" w="9525">
+                  <a14:hiddenLine xmlns="" xmlns:a14="http://schemas.microsoft.com/office/drawing/2010/main" w="9525">
                     <a:solidFill>
                       <a:srgbClr val="000000"/>
                     </a:solidFill>
@@ -11690,7 +11757,7 @@
               </a:ln>
               <a:extLst>
                 <a:ext uri="{91240B29-F687-4f45-9708-019B960494DF}">
-                  <a14:hiddenLine xmlns:a14="http://schemas.microsoft.com/office/drawing/2010/main" xmlns="" w="9525">
+                  <a14:hiddenLine xmlns="" xmlns:a14="http://schemas.microsoft.com/office/drawing/2010/main" w="9525">
                     <a:solidFill>
                       <a:srgbClr val="000000"/>
                     </a:solidFill>
@@ -11758,7 +11825,7 @@
               </a:ln>
               <a:extLst>
                 <a:ext uri="{91240B29-F687-4f45-9708-019B960494DF}">
-                  <a14:hiddenLine xmlns:a14="http://schemas.microsoft.com/office/drawing/2010/main" xmlns="" w="9525">
+                  <a14:hiddenLine xmlns="" xmlns:a14="http://schemas.microsoft.com/office/drawing/2010/main" w="9525">
                     <a:solidFill>
                       <a:srgbClr val="000000"/>
                     </a:solidFill>
@@ -11848,7 +11915,7 @@
               </a:ln>
               <a:extLst>
                 <a:ext uri="{91240B29-F687-4f45-9708-019B960494DF}">
-                  <a14:hiddenLine xmlns:a14="http://schemas.microsoft.com/office/drawing/2010/main" xmlns="" w="9525">
+                  <a14:hiddenLine xmlns="" xmlns:a14="http://schemas.microsoft.com/office/drawing/2010/main" w="9525">
                     <a:solidFill>
                       <a:srgbClr val="000000"/>
                     </a:solidFill>
@@ -11882,7 +11949,7 @@
               </a:ln>
               <a:extLst>
                 <a:ext uri="{91240B29-F687-4f45-9708-019B960494DF}">
-                  <a14:hiddenLine xmlns:a14="http://schemas.microsoft.com/office/drawing/2010/main" xmlns="" w="9525">
+                  <a14:hiddenLine xmlns="" xmlns:a14="http://schemas.microsoft.com/office/drawing/2010/main" w="9525">
                     <a:solidFill>
                       <a:srgbClr val="000000"/>
                     </a:solidFill>
@@ -12100,7 +12167,7 @@
           <a:p>
             <a:fld id="{8679147E-E722-4B7F-B2DA-A1F6ABE75579}" type="slidenum">
               <a:rPr lang="nl-NL" smtClean="0"/>
-              <a:t>‹nr.›</a:t>
+              <a:t>‹#›</a:t>
             </a:fld>
             <a:endParaRPr lang="nl-NL"/>
           </a:p>
@@ -12718,8 +12785,12 @@
               <a:rPr lang="nl-NL" dirty="0"/>
               <a:t>Website: </a:t>
             </a:r>
-          </a:p>
-          <a:p>
+            <a:r>
+              <a:rPr lang="nl-NL" dirty="0">
+                <a:hlinkClick r:id="rId2"/>
+              </a:rPr>
+              <a:t>http://www.ictacademie.nl/index.html</a:t>
+            </a:r>
             <a:endParaRPr lang="nl-NL" dirty="0"/>
           </a:p>
         </p:txBody>
@@ -12901,10 +12972,42 @@
           <a:bodyPr/>
           <a:lstStyle/>
           <a:p>
+            <a:pPr>
+              <a:buFontTx/>
+              <a:buChar char="-"/>
+            </a:pPr>
+            <a:r>
+              <a:rPr lang="nl-NL" dirty="0"/>
+              <a:t>Concentratie</a:t>
+            </a:r>
+          </a:p>
+          <a:p>
+            <a:pPr>
+              <a:buFontTx/>
+              <a:buChar char="-"/>
+            </a:pPr>
+            <a:r>
+              <a:rPr lang="nl-NL" dirty="0"/>
+              <a:t>Communicatie</a:t>
+            </a:r>
+          </a:p>
+          <a:p>
             <a:pPr marL="0" indent="0">
               <a:buNone/>
             </a:pPr>
-            <a:endParaRPr lang="nl-NL" dirty="0"/>
+            <a:r>
+              <a:rPr lang="nl-NL" dirty="0"/>
+              <a:t>+ Luisteren</a:t>
+            </a:r>
+          </a:p>
+          <a:p>
+            <a:pPr marL="0" indent="0">
+              <a:buNone/>
+            </a:pPr>
+            <a:r>
+              <a:rPr lang="nl-NL" dirty="0"/>
+              <a:t>+ </a:t>
+            </a:r>
           </a:p>
         </p:txBody>
       </p:sp>
@@ -13079,7 +13182,7 @@
         </p:blipFill>
         <p:spPr>
           <a:xfrm rot="5400000">
-            <a:off x="2278516" y="2821254"/>
+            <a:off x="2269638" y="2812376"/>
             <a:ext cx="2792238" cy="2094178"/>
           </a:xfrm>
         </p:spPr>
